--- a/Slides/Lecture 9-8.pptx
+++ b/Slides/Lecture 9-8.pptx
@@ -222,7 +222,7 @@
             <a:fld id="{A6781D3C-003D-4837-A496-9A32CDA8003A}" type="datetimeFigureOut">
               <a:rPr lang="en-US" smtClean="0"/>
               <a:pPr/>
-              <a:t>2/10/2019</a:t>
+              <a:t>3/21/19</a:t>
             </a:fld>
             <a:endParaRPr lang="en-US"/>
           </a:p>
@@ -286,38 +286,37 @@
           <a:p>
             <a:pPr lvl="0"/>
             <a:r>
-              <a:rPr lang="en-US" smtClean="0"/>
+              <a:rPr lang="en-US"/>
               <a:t>Click to edit Master text styles</a:t>
             </a:r>
           </a:p>
           <a:p>
             <a:pPr lvl="1"/>
             <a:r>
-              <a:rPr lang="en-US" smtClean="0"/>
+              <a:rPr lang="en-US"/>
               <a:t>Second level</a:t>
             </a:r>
           </a:p>
           <a:p>
             <a:pPr lvl="2"/>
             <a:r>
-              <a:rPr lang="en-US" smtClean="0"/>
+              <a:rPr lang="en-US"/>
               <a:t>Third level</a:t>
             </a:r>
           </a:p>
           <a:p>
             <a:pPr lvl="3"/>
             <a:r>
-              <a:rPr lang="en-US" smtClean="0"/>
+              <a:rPr lang="en-US"/>
               <a:t>Fourth level</a:t>
             </a:r>
           </a:p>
           <a:p>
             <a:pPr lvl="4"/>
             <a:r>
-              <a:rPr lang="en-US" smtClean="0"/>
+              <a:rPr lang="en-US"/>
               <a:t>Fifth level</a:t>
             </a:r>
-            <a:endParaRPr lang="en-US"/>
           </a:p>
         </p:txBody>
       </p:sp>
@@ -872,10 +871,9 @@
           <a:lstStyle/>
           <a:p>
             <a:r>
-              <a:rPr lang="en-US" dirty="0" smtClean="0"/>
+              <a:rPr lang="en-US" dirty="0"/>
               <a:t>COMPLETE</a:t>
             </a:r>
-            <a:endParaRPr lang="en-US" dirty="0"/>
           </a:p>
         </p:txBody>
       </p:sp>
@@ -960,10 +958,9 @@
           <a:lstStyle/>
           <a:p>
             <a:r>
-              <a:rPr lang="en-US" dirty="0" smtClean="0"/>
+              <a:rPr lang="en-US" dirty="0"/>
               <a:t>COMPLETE</a:t>
             </a:r>
-            <a:endParaRPr lang="en-US" dirty="0"/>
           </a:p>
         </p:txBody>
       </p:sp>
@@ -1068,10 +1065,9 @@
           </a:lstStyle>
           <a:p>
             <a:r>
-              <a:rPr lang="en-US" dirty="0" smtClean="0"/>
+              <a:rPr lang="en-US" dirty="0"/>
               <a:t>Click to edit Master title style</a:t>
             </a:r>
-            <a:endParaRPr lang="en-US" dirty="0"/>
           </a:p>
         </p:txBody>
       </p:sp>
@@ -1196,10 +1192,9 @@
           </a:lstStyle>
           <a:p>
             <a:r>
-              <a:rPr lang="en-US" dirty="0" smtClean="0"/>
+              <a:rPr lang="en-US" dirty="0"/>
               <a:t>Click to edit Master subtitle style</a:t>
             </a:r>
-            <a:endParaRPr lang="en-US" dirty="0"/>
           </a:p>
         </p:txBody>
       </p:sp>
@@ -1254,10 +1249,9 @@
           <a:lstStyle/>
           <a:p>
             <a:r>
-              <a:rPr lang="en-US" smtClean="0"/>
+              <a:rPr lang="en-US"/>
               <a:t>Click to edit Master title style</a:t>
             </a:r>
-            <a:endParaRPr lang="en-US"/>
           </a:p>
         </p:txBody>
       </p:sp>
@@ -1319,10 +1313,9 @@
           </a:lstStyle>
           <a:p>
             <a:r>
-              <a:rPr lang="en-US" smtClean="0"/>
+              <a:rPr lang="en-US"/>
               <a:t>Click to edit Master subtitle style</a:t>
             </a:r>
-            <a:endParaRPr lang="en-US"/>
           </a:p>
         </p:txBody>
       </p:sp>
@@ -1428,13 +1421,6 @@
   <p:clrMapOvr>
     <a:masterClrMapping/>
   </p:clrMapOvr>
-  <p:timing>
-    <p:tnLst>
-      <p:par>
-        <p:cTn id="1" dur="indefinite" restart="never" nodeType="tmRoot"/>
-      </p:par>
-    </p:tnLst>
-  </p:timing>
 </p:sldLayout>
 </file>
 
@@ -1478,10 +1464,9 @@
           </a:lstStyle>
           <a:p>
             <a:r>
-              <a:rPr lang="en-US" dirty="0" smtClean="0"/>
+              <a:rPr lang="en-US" dirty="0"/>
               <a:t>Click to edit Master title style</a:t>
             </a:r>
-            <a:endParaRPr lang="en-US" dirty="0"/>
           </a:p>
         </p:txBody>
       </p:sp>
@@ -1533,38 +1518,37 @@
           <a:p>
             <a:pPr lvl="0"/>
             <a:r>
-              <a:rPr lang="en-US" dirty="0" smtClean="0"/>
+              <a:rPr lang="en-US" dirty="0"/>
               <a:t>Click to edit Master text styles</a:t>
             </a:r>
           </a:p>
           <a:p>
             <a:pPr lvl="1"/>
             <a:r>
-              <a:rPr lang="en-US" dirty="0" smtClean="0"/>
+              <a:rPr lang="en-US" dirty="0"/>
               <a:t>Second level</a:t>
             </a:r>
           </a:p>
           <a:p>
             <a:pPr lvl="2"/>
             <a:r>
-              <a:rPr lang="en-US" dirty="0" smtClean="0"/>
+              <a:rPr lang="en-US" dirty="0"/>
               <a:t>Third level</a:t>
             </a:r>
           </a:p>
           <a:p>
             <a:pPr lvl="3"/>
             <a:r>
-              <a:rPr lang="en-US" dirty="0" smtClean="0"/>
+              <a:rPr lang="en-US" dirty="0"/>
               <a:t>Fourth level</a:t>
             </a:r>
           </a:p>
           <a:p>
             <a:pPr lvl="4"/>
             <a:r>
-              <a:rPr lang="en-US" dirty="0" smtClean="0"/>
+              <a:rPr lang="en-US" dirty="0"/>
               <a:t>Fifth level</a:t>
             </a:r>
-            <a:endParaRPr lang="en-US" dirty="0"/>
           </a:p>
         </p:txBody>
       </p:sp>
@@ -1837,13 +1821,6 @@
   <p:clrMapOvr>
     <a:masterClrMapping/>
   </p:clrMapOvr>
-  <p:timing>
-    <p:tnLst>
-      <p:par>
-        <p:cTn id="1" dur="indefinite" restart="never" nodeType="tmRoot"/>
-      </p:par>
-    </p:tnLst>
-  </p:timing>
 </p:sldLayout>
 </file>
 
@@ -1905,10 +1882,9 @@
           </a:lstStyle>
           <a:p>
             <a:r>
-              <a:rPr lang="en-US" dirty="0" smtClean="0"/>
+              <a:rPr lang="en-US" dirty="0"/>
               <a:t>Click to edit Master title style</a:t>
             </a:r>
-            <a:endParaRPr lang="en-US" dirty="0"/>
           </a:p>
         </p:txBody>
       </p:sp>
@@ -1934,35 +1910,35 @@
           <a:p>
             <a:pPr lvl="0"/>
             <a:r>
-              <a:rPr lang="en-US" smtClean="0"/>
+              <a:rPr lang="en-US"/>
               <a:t>Click to edit Master text styles</a:t>
             </a:r>
           </a:p>
           <a:p>
             <a:pPr lvl="1"/>
             <a:r>
-              <a:rPr lang="en-US" smtClean="0"/>
+              <a:rPr lang="en-US"/>
               <a:t>Second level</a:t>
             </a:r>
           </a:p>
           <a:p>
             <a:pPr lvl="2"/>
             <a:r>
-              <a:rPr lang="en-US" smtClean="0"/>
+              <a:rPr lang="en-US"/>
               <a:t>Third level</a:t>
             </a:r>
           </a:p>
           <a:p>
             <a:pPr lvl="3"/>
             <a:r>
-              <a:rPr lang="en-US" smtClean="0"/>
+              <a:rPr lang="en-US"/>
               <a:t>Fourth level</a:t>
             </a:r>
           </a:p>
           <a:p>
             <a:pPr lvl="4"/>
             <a:r>
-              <a:rPr lang="en-US" smtClean="0"/>
+              <a:rPr lang="en-US"/>
               <a:t>Fifth level</a:t>
             </a:r>
             <a:endParaRPr lang="en-US" dirty="0"/>
@@ -2031,7 +2007,7 @@
           </a:lstStyle>
           <a:p>
             <a:r>
-              <a:rPr lang="en-US" smtClean="0"/>
+              <a:rPr lang="en-US"/>
               <a:t>Click to edit Master title style</a:t>
             </a:r>
             <a:endParaRPr lang="en-US" dirty="0"/>
@@ -2151,7 +2127,7 @@
           <a:p>
             <a:pPr lvl="0"/>
             <a:r>
-              <a:rPr lang="en-US" smtClean="0"/>
+              <a:rPr lang="en-US"/>
               <a:t>Click to edit Master text styles</a:t>
             </a:r>
           </a:p>
@@ -2221,7 +2197,7 @@
           </a:lstStyle>
           <a:p>
             <a:r>
-              <a:rPr lang="en-US" smtClean="0"/>
+              <a:rPr lang="en-US"/>
               <a:t>Click to edit Master title style</a:t>
             </a:r>
             <a:endParaRPr lang="en-US" dirty="0"/>
@@ -2296,35 +2272,35 @@
           <a:p>
             <a:pPr lvl="0"/>
             <a:r>
-              <a:rPr lang="en-US" smtClean="0"/>
+              <a:rPr lang="en-US"/>
               <a:t>Click to edit Master text styles</a:t>
             </a:r>
           </a:p>
           <a:p>
             <a:pPr lvl="1"/>
             <a:r>
-              <a:rPr lang="en-US" smtClean="0"/>
+              <a:rPr lang="en-US"/>
               <a:t>Second level</a:t>
             </a:r>
           </a:p>
           <a:p>
             <a:pPr lvl="2"/>
             <a:r>
-              <a:rPr lang="en-US" smtClean="0"/>
+              <a:rPr lang="en-US"/>
               <a:t>Third level</a:t>
             </a:r>
           </a:p>
           <a:p>
             <a:pPr lvl="3"/>
             <a:r>
-              <a:rPr lang="en-US" smtClean="0"/>
+              <a:rPr lang="en-US"/>
               <a:t>Fourth level</a:t>
             </a:r>
           </a:p>
           <a:p>
             <a:pPr lvl="4"/>
             <a:r>
-              <a:rPr lang="en-US" smtClean="0"/>
+              <a:rPr lang="en-US"/>
               <a:t>Fifth level</a:t>
             </a:r>
             <a:endParaRPr lang="en-US" dirty="0"/>
@@ -2399,35 +2375,35 @@
           <a:p>
             <a:pPr lvl="0"/>
             <a:r>
-              <a:rPr lang="en-US" smtClean="0"/>
+              <a:rPr lang="en-US"/>
               <a:t>Click to edit Master text styles</a:t>
             </a:r>
           </a:p>
           <a:p>
             <a:pPr lvl="1"/>
             <a:r>
-              <a:rPr lang="en-US" smtClean="0"/>
+              <a:rPr lang="en-US"/>
               <a:t>Second level</a:t>
             </a:r>
           </a:p>
           <a:p>
             <a:pPr lvl="2"/>
             <a:r>
-              <a:rPr lang="en-US" smtClean="0"/>
+              <a:rPr lang="en-US"/>
               <a:t>Third level</a:t>
             </a:r>
           </a:p>
           <a:p>
             <a:pPr lvl="3"/>
             <a:r>
-              <a:rPr lang="en-US" smtClean="0"/>
+              <a:rPr lang="en-US"/>
               <a:t>Fourth level</a:t>
             </a:r>
           </a:p>
           <a:p>
             <a:pPr lvl="4"/>
             <a:r>
-              <a:rPr lang="en-US" smtClean="0"/>
+              <a:rPr lang="en-US"/>
               <a:t>Fifth level</a:t>
             </a:r>
             <a:endParaRPr lang="en-US" dirty="0"/>
@@ -2498,7 +2474,7 @@
           </a:lstStyle>
           <a:p>
             <a:r>
-              <a:rPr lang="en-US" smtClean="0"/>
+              <a:rPr lang="en-US"/>
               <a:t>Click to edit Master title style</a:t>
             </a:r>
             <a:endParaRPr lang="en-US" dirty="0"/>
@@ -2573,7 +2549,7 @@
           <a:p>
             <a:pPr lvl="0"/>
             <a:r>
-              <a:rPr lang="en-US" smtClean="0"/>
+              <a:rPr lang="en-US"/>
               <a:t>Click to edit Master text styles</a:t>
             </a:r>
           </a:p>
@@ -2644,35 +2620,35 @@
           <a:p>
             <a:pPr lvl="0"/>
             <a:r>
-              <a:rPr lang="en-US" smtClean="0"/>
+              <a:rPr lang="en-US"/>
               <a:t>Click to edit Master text styles</a:t>
             </a:r>
           </a:p>
           <a:p>
             <a:pPr lvl="1"/>
             <a:r>
-              <a:rPr lang="en-US" smtClean="0"/>
+              <a:rPr lang="en-US"/>
               <a:t>Second level</a:t>
             </a:r>
           </a:p>
           <a:p>
             <a:pPr lvl="2"/>
             <a:r>
-              <a:rPr lang="en-US" smtClean="0"/>
+              <a:rPr lang="en-US"/>
               <a:t>Third level</a:t>
             </a:r>
           </a:p>
           <a:p>
             <a:pPr lvl="3"/>
             <a:r>
-              <a:rPr lang="en-US" smtClean="0"/>
+              <a:rPr lang="en-US"/>
               <a:t>Fourth level</a:t>
             </a:r>
           </a:p>
           <a:p>
             <a:pPr lvl="4"/>
             <a:r>
-              <a:rPr lang="en-US" smtClean="0"/>
+              <a:rPr lang="en-US"/>
               <a:t>Fifth level</a:t>
             </a:r>
             <a:endParaRPr lang="en-US" dirty="0"/>
@@ -2747,7 +2723,7 @@
           <a:p>
             <a:pPr lvl="0"/>
             <a:r>
-              <a:rPr lang="en-US" smtClean="0"/>
+              <a:rPr lang="en-US"/>
               <a:t>Click to edit Master text styles</a:t>
             </a:r>
           </a:p>
@@ -2818,35 +2794,35 @@
           <a:p>
             <a:pPr lvl="0"/>
             <a:r>
-              <a:rPr lang="en-US" smtClean="0"/>
+              <a:rPr lang="en-US"/>
               <a:t>Click to edit Master text styles</a:t>
             </a:r>
           </a:p>
           <a:p>
             <a:pPr lvl="1"/>
             <a:r>
-              <a:rPr lang="en-US" smtClean="0"/>
+              <a:rPr lang="en-US"/>
               <a:t>Second level</a:t>
             </a:r>
           </a:p>
           <a:p>
             <a:pPr lvl="2"/>
             <a:r>
-              <a:rPr lang="en-US" smtClean="0"/>
+              <a:rPr lang="en-US"/>
               <a:t>Third level</a:t>
             </a:r>
           </a:p>
           <a:p>
             <a:pPr lvl="3"/>
             <a:r>
-              <a:rPr lang="en-US" smtClean="0"/>
+              <a:rPr lang="en-US"/>
               <a:t>Fourth level</a:t>
             </a:r>
           </a:p>
           <a:p>
             <a:pPr lvl="4"/>
             <a:r>
-              <a:rPr lang="en-US" smtClean="0"/>
+              <a:rPr lang="en-US"/>
               <a:t>Fifth level</a:t>
             </a:r>
             <a:endParaRPr lang="en-US" dirty="0"/>
@@ -2917,7 +2893,7 @@
           </a:lstStyle>
           <a:p>
             <a:r>
-              <a:rPr lang="en-US" smtClean="0"/>
+              <a:rPr lang="en-US"/>
               <a:t>Click to edit Master title style</a:t>
             </a:r>
             <a:endParaRPr lang="en-US" dirty="0"/>
@@ -3018,7 +2994,7 @@
           </a:lstStyle>
           <a:p>
             <a:r>
-              <a:rPr lang="en-US" smtClean="0"/>
+              <a:rPr lang="en-US"/>
               <a:t>Click to edit Master title style</a:t>
             </a:r>
             <a:endParaRPr lang="en-US" dirty="0"/>
@@ -3093,35 +3069,35 @@
           <a:p>
             <a:pPr lvl="0"/>
             <a:r>
-              <a:rPr lang="en-US" smtClean="0"/>
+              <a:rPr lang="en-US"/>
               <a:t>Click to edit Master text styles</a:t>
             </a:r>
           </a:p>
           <a:p>
             <a:pPr lvl="1"/>
             <a:r>
-              <a:rPr lang="en-US" smtClean="0"/>
+              <a:rPr lang="en-US"/>
               <a:t>Second level</a:t>
             </a:r>
           </a:p>
           <a:p>
             <a:pPr lvl="2"/>
             <a:r>
-              <a:rPr lang="en-US" smtClean="0"/>
+              <a:rPr lang="en-US"/>
               <a:t>Third level</a:t>
             </a:r>
           </a:p>
           <a:p>
             <a:pPr lvl="3"/>
             <a:r>
-              <a:rPr lang="en-US" smtClean="0"/>
+              <a:rPr lang="en-US"/>
               <a:t>Fourth level</a:t>
             </a:r>
           </a:p>
           <a:p>
             <a:pPr lvl="4"/>
             <a:r>
-              <a:rPr lang="en-US" smtClean="0"/>
+              <a:rPr lang="en-US"/>
               <a:t>Fifth level</a:t>
             </a:r>
             <a:endParaRPr lang="en-US" dirty="0"/>
@@ -3193,7 +3169,7 @@
           <a:p>
             <a:pPr lvl="0"/>
             <a:r>
-              <a:rPr lang="en-US" smtClean="0"/>
+              <a:rPr lang="en-US"/>
               <a:t>Click to edit Master text styles</a:t>
             </a:r>
           </a:p>
@@ -3263,7 +3239,7 @@
           </a:lstStyle>
           <a:p>
             <a:r>
-              <a:rPr lang="en-US" smtClean="0"/>
+              <a:rPr lang="en-US"/>
               <a:t>Click to edit Master title style</a:t>
             </a:r>
             <a:endParaRPr lang="en-US" dirty="0"/>
@@ -3328,10 +3304,9 @@
           </a:lstStyle>
           <a:p>
             <a:r>
-              <a:rPr lang="en-US" smtClean="0"/>
+              <a:rPr lang="en-US"/>
               <a:t>Click icon to add picture</a:t>
             </a:r>
-            <a:endParaRPr lang="en-US"/>
           </a:p>
         </p:txBody>
       </p:sp>
@@ -3400,7 +3375,7 @@
           <a:p>
             <a:pPr lvl="0"/>
             <a:r>
-              <a:rPr lang="en-US" smtClean="0"/>
+              <a:rPr lang="en-US"/>
               <a:t>Click to edit Master text styles</a:t>
             </a:r>
           </a:p>
@@ -3471,35 +3446,35 @@
           <a:p>
             <a:pPr lvl="0"/>
             <a:r>
-              <a:rPr lang="en-US" smtClean="0"/>
+              <a:rPr lang="en-US"/>
               <a:t>Click to edit Master text styles</a:t>
             </a:r>
           </a:p>
           <a:p>
             <a:pPr lvl="1"/>
             <a:r>
-              <a:rPr lang="en-US" smtClean="0"/>
+              <a:rPr lang="en-US"/>
               <a:t>Second level</a:t>
             </a:r>
           </a:p>
           <a:p>
             <a:pPr lvl="2"/>
             <a:r>
-              <a:rPr lang="en-US" smtClean="0"/>
+              <a:rPr lang="en-US"/>
               <a:t>Third level</a:t>
             </a:r>
           </a:p>
           <a:p>
             <a:pPr lvl="3"/>
             <a:r>
-              <a:rPr lang="en-US" smtClean="0"/>
+              <a:rPr lang="en-US"/>
               <a:t>Fourth level</a:t>
             </a:r>
           </a:p>
           <a:p>
             <a:pPr lvl="4"/>
             <a:r>
-              <a:rPr lang="en-US" smtClean="0"/>
+              <a:rPr lang="en-US"/>
               <a:t>Fifth level</a:t>
             </a:r>
             <a:endParaRPr lang="en-US" dirty="0"/>
@@ -3525,13 +3500,6 @@
     <p:sldLayoutId id="2147483656" r:id="rId8"/>
     <p:sldLayoutId id="2147483657" r:id="rId9"/>
   </p:sldLayoutIdLst>
-  <p:timing>
-    <p:tnLst>
-      <p:par>
-        <p:cTn id="1" dur="indefinite" restart="never" nodeType="tmRoot"/>
-      </p:par>
-    </p:tnLst>
-  </p:timing>
   <p:txStyles>
     <p:titleStyle>
       <a:lvl1pPr algn="ctr" defTabSz="457200" rtl="0" eaLnBrk="1" latinLnBrk="0" hangingPunct="1">
@@ -3904,7 +3872,7 @@
           <a:p>
             <a:pPr lvl="0"/>
             <a:r>
-              <a:rPr lang="en-US" dirty="0" smtClean="0"/>
+              <a:rPr lang="en-US" dirty="0"/>
               <a:t>Click to edit Master title style</a:t>
             </a:r>
           </a:p>
@@ -3946,35 +3914,35 @@
           <a:p>
             <a:pPr lvl="0"/>
             <a:r>
-              <a:rPr lang="en-US" dirty="0" smtClean="0"/>
+              <a:rPr lang="en-US" dirty="0"/>
               <a:t>Click to edit Master text styles</a:t>
             </a:r>
           </a:p>
           <a:p>
             <a:pPr lvl="1"/>
             <a:r>
-              <a:rPr lang="en-US" dirty="0" smtClean="0"/>
+              <a:rPr lang="en-US" dirty="0"/>
               <a:t>Second level</a:t>
             </a:r>
           </a:p>
           <a:p>
             <a:pPr lvl="2"/>
             <a:r>
-              <a:rPr lang="en-US" dirty="0" smtClean="0"/>
+              <a:rPr lang="en-US" dirty="0"/>
               <a:t>Third level</a:t>
             </a:r>
           </a:p>
           <a:p>
             <a:pPr lvl="3"/>
             <a:r>
-              <a:rPr lang="en-US" dirty="0" smtClean="0"/>
+              <a:rPr lang="en-US" dirty="0"/>
               <a:t>Fourth level</a:t>
             </a:r>
           </a:p>
           <a:p>
             <a:pPr lvl="4"/>
             <a:r>
-              <a:rPr lang="en-US" dirty="0" smtClean="0"/>
+              <a:rPr lang="en-US" dirty="0"/>
               <a:t>Fifth level</a:t>
             </a:r>
           </a:p>
@@ -4636,14 +4604,11 @@
           <a:lstStyle/>
           <a:p>
             <a:r>
-              <a:rPr lang="en-US" sz="18000" dirty="0" smtClean="0">
+              <a:rPr lang="en-US" sz="18000" dirty="0">
                 <a:latin typeface="Rockwell Extra Bold" panose="02060903040505020403" pitchFamily="18" charset="0"/>
               </a:rPr>
               <a:t>NLP</a:t>
             </a:r>
-            <a:endParaRPr lang="en-US" sz="18000" dirty="0">
-              <a:latin typeface="Rockwell Extra Bold" panose="02060903040505020403" pitchFamily="18" charset="0"/>
-            </a:endParaRPr>
           </a:p>
         </p:txBody>
       </p:sp>
@@ -4657,13 +4622,6 @@
   <p:clrMapOvr>
     <a:masterClrMapping/>
   </p:clrMapOvr>
-  <p:timing>
-    <p:tnLst>
-      <p:par>
-        <p:cTn id="1" dur="indefinite" restart="never" nodeType="tmRoot"/>
-      </p:par>
-    </p:tnLst>
-  </p:timing>
 </p:sld>
 </file>
 
@@ -4705,14 +4663,11 @@
           <a:lstStyle/>
           <a:p>
             <a:r>
-              <a:rPr lang="en-US" sz="18000" dirty="0" smtClean="0">
+              <a:rPr lang="en-US" sz="18000" dirty="0">
                 <a:latin typeface="Rockwell Extra Bold" panose="02060903040505020403" pitchFamily="18" charset="0"/>
               </a:rPr>
               <a:t>NLP</a:t>
             </a:r>
-            <a:endParaRPr lang="en-US" sz="18000" dirty="0">
-              <a:latin typeface="Rockwell Extra Bold" panose="02060903040505020403" pitchFamily="18" charset="0"/>
-            </a:endParaRPr>
           </a:p>
         </p:txBody>
       </p:sp>
@@ -4726,13 +4681,6 @@
   <p:clrMapOvr>
     <a:masterClrMapping/>
   </p:clrMapOvr>
-  <p:timing>
-    <p:tnLst>
-      <p:par>
-        <p:cTn id="1" dur="indefinite" restart="never" nodeType="tmRoot"/>
-      </p:par>
-    </p:tnLst>
-  </p:timing>
 </p:sld>
 </file>
 
@@ -4769,10 +4717,9 @@
           <a:lstStyle/>
           <a:p>
             <a:r>
-              <a:rPr lang="en-US" dirty="0" smtClean="0"/>
+              <a:rPr lang="en-US" dirty="0"/>
               <a:t>Text Similarity</a:t>
             </a:r>
-            <a:endParaRPr lang="en-US" dirty="0"/>
           </a:p>
         </p:txBody>
       </p:sp>
@@ -4794,10 +4741,9 @@
           <a:lstStyle/>
           <a:p>
             <a:r>
-              <a:rPr lang="en-US" dirty="0" smtClean="0"/>
+              <a:rPr lang="en-US" dirty="0"/>
               <a:t>Vector Semantics</a:t>
             </a:r>
-            <a:endParaRPr lang="en-US" dirty="0"/>
           </a:p>
         </p:txBody>
       </p:sp>
@@ -4811,13 +4757,6 @@
   <p:clrMapOvr>
     <a:masterClrMapping/>
   </p:clrMapOvr>
-  <p:timing>
-    <p:tnLst>
-      <p:par>
-        <p:cTn id="1" dur="indefinite" restart="never" nodeType="tmRoot"/>
-      </p:par>
-    </p:tnLst>
-  </p:timing>
 </p:sld>
 </file>
 
@@ -4854,10 +4793,9 @@
           <a:lstStyle/>
           <a:p>
             <a:r>
-              <a:rPr lang="en-US" dirty="0" smtClean="0"/>
+              <a:rPr lang="en-US" dirty="0"/>
               <a:t>What does “acerola” mean?</a:t>
             </a:r>
-            <a:endParaRPr lang="en-US" dirty="0"/>
           </a:p>
         </p:txBody>
       </p:sp>
@@ -4884,73 +4822,47 @@
           <a:lstStyle/>
           <a:p>
             <a:r>
-              <a:rPr lang="en-US" i="1" u="sng" dirty="0" smtClean="0"/>
-              <a:t>acerola</a:t>
-            </a:r>
-            <a:r>
-              <a:rPr lang="en-US" dirty="0" smtClean="0"/>
-              <a:t> is </a:t>
-            </a:r>
-            <a:r>
-              <a:rPr lang="en-US" dirty="0"/>
-              <a:t>a significant source of vitamin </a:t>
-            </a:r>
-            <a:r>
-              <a:rPr lang="en-US" dirty="0" smtClean="0"/>
-              <a:t>C.</a:t>
-            </a:r>
-          </a:p>
-          <a:p>
-            <a:r>
-              <a:rPr lang="en-US" dirty="0" smtClean="0"/>
-              <a:t>the </a:t>
-            </a:r>
-            <a:r>
-              <a:rPr lang="en-US" dirty="0"/>
-              <a:t>pulp of the </a:t>
-            </a:r>
-            <a:r>
               <a:rPr lang="en-US" i="1" u="sng" dirty="0"/>
               <a:t>acerola</a:t>
             </a:r>
             <a:r>
               <a:rPr lang="en-US" dirty="0"/>
-              <a:t> is very soft</a:t>
-            </a:r>
-          </a:p>
-          <a:p>
+              <a:t> is a significant source of vitamin C.</a:t>
+            </a:r>
+          </a:p>
+          <a:p>
+            <a:r>
+              <a:rPr lang="en-US" dirty="0"/>
+              <a:t>the pulp of the </a:t>
+            </a:r>
             <a:r>
               <a:rPr lang="en-US" i="1" u="sng" dirty="0"/>
               <a:t>acerola</a:t>
             </a:r>
             <a:r>
               <a:rPr lang="en-US" dirty="0"/>
-              <a:t> are now found growing in most sub-tropical regions of the </a:t>
-            </a:r>
-            <a:r>
-              <a:rPr lang="en-US" dirty="0" smtClean="0"/>
-              <a:t>world.</a:t>
-            </a:r>
-            <a:endParaRPr lang="en-US" dirty="0"/>
-          </a:p>
-          <a:p>
-            <a:r>
-              <a:rPr lang="en-US" i="1" u="sng" dirty="0" smtClean="0"/>
+              <a:t> is very soft</a:t>
+            </a:r>
+          </a:p>
+          <a:p>
+            <a:r>
+              <a:rPr lang="en-US" i="1" u="sng" dirty="0"/>
               <a:t>acerola</a:t>
             </a:r>
             <a:r>
-              <a:rPr lang="en-US" dirty="0" smtClean="0"/>
-              <a:t> </a:t>
-            </a:r>
-            <a:r>
               <a:rPr lang="en-US" dirty="0"/>
-              <a:t>can be eaten fresh or used to make jams or jellies</a:t>
-            </a:r>
-            <a:r>
-              <a:rPr lang="en-US" dirty="0" smtClean="0"/>
-              <a:t>.</a:t>
-            </a:r>
-            <a:endParaRPr lang="en-US" dirty="0"/>
+              <a:t> are now found growing in most sub-tropical regions of the world.</a:t>
+            </a:r>
+          </a:p>
+          <a:p>
+            <a:r>
+              <a:rPr lang="en-US" i="1" u="sng" dirty="0"/>
+              <a:t>acerola</a:t>
+            </a:r>
+            <a:r>
+              <a:rPr lang="en-US" dirty="0"/>
+              <a:t> can be eaten fresh or used to make jams or jellies.</a:t>
+            </a:r>
           </a:p>
         </p:txBody>
       </p:sp>
@@ -4964,13 +4876,6 @@
   <p:clrMapOvr>
     <a:masterClrMapping/>
   </p:clrMapOvr>
-  <p:timing>
-    <p:tnLst>
-      <p:par>
-        <p:cTn id="1" dur="indefinite" restart="never" nodeType="tmRoot"/>
-      </p:par>
-    </p:tnLst>
-  </p:timing>
 </p:sld>
 </file>
 
@@ -5007,10 +4912,9 @@
           <a:lstStyle/>
           <a:p>
             <a:r>
-              <a:rPr lang="en-US" dirty="0" smtClean="0"/>
+              <a:rPr lang="en-US" dirty="0"/>
               <a:t>Distributional similarity</a:t>
             </a:r>
-            <a:endParaRPr lang="en-US" dirty="0"/>
           </a:p>
         </p:txBody>
       </p:sp>
@@ -5208,21 +5112,8 @@
                   <a:schemeClr val="tx1"/>
                 </a:solidFill>
               </a:rPr>
-              <a:t>“You will know a word by the company that it keeps.” (J.R. Firth 1957</a:t>
-            </a:r>
-            <a:r>
-              <a:rPr lang="en-US" sz="2800" dirty="0" smtClean="0">
-                <a:solidFill>
-                  <a:schemeClr val="tx1"/>
-                </a:solidFill>
-              </a:rPr>
-              <a:t>)</a:t>
-            </a:r>
-            <a:endParaRPr lang="en-US" sz="2800" dirty="0">
-              <a:solidFill>
-                <a:schemeClr val="tx1"/>
-              </a:solidFill>
-            </a:endParaRPr>
+              <a:t>“You will know a word by the company that it keeps.” (J.R. Firth 1957)</a:t>
+            </a:r>
           </a:p>
         </p:txBody>
       </p:sp>
@@ -5236,13 +5127,6 @@
   <p:clrMapOvr>
     <a:masterClrMapping/>
   </p:clrMapOvr>
-  <p:timing>
-    <p:tnLst>
-      <p:par>
-        <p:cTn id="1" dur="indefinite" restart="never" nodeType="tmRoot"/>
-      </p:par>
-    </p:tnLst>
-  </p:timing>
 </p:sld>
 </file>
 
@@ -5279,10 +5163,9 @@
           <a:lstStyle/>
           <a:p>
             <a:r>
-              <a:rPr lang="en-US" dirty="0" smtClean="0"/>
+              <a:rPr lang="en-US" dirty="0"/>
               <a:t>Basic Ideas</a:t>
             </a:r>
-            <a:endParaRPr lang="en-US" dirty="0"/>
           </a:p>
         </p:txBody>
       </p:sp>
@@ -5309,42 +5192,41 @@
           <a:lstStyle/>
           <a:p>
             <a:r>
-              <a:rPr lang="en-US" dirty="0" smtClean="0"/>
+              <a:rPr lang="en-US" dirty="0"/>
               <a:t>Represent words as vectors</a:t>
             </a:r>
           </a:p>
           <a:p>
             <a:pPr lvl="1"/>
             <a:r>
-              <a:rPr lang="en-US" dirty="0" smtClean="0"/>
+              <a:rPr lang="en-US" dirty="0"/>
               <a:t>For example, based on nearby words</a:t>
             </a:r>
           </a:p>
           <a:p>
             <a:r>
-              <a:rPr lang="en-US" dirty="0" smtClean="0"/>
+              <a:rPr lang="en-US" dirty="0"/>
               <a:t>Similar words (synonyms) should have similar representations</a:t>
             </a:r>
           </a:p>
           <a:p>
             <a:r>
-              <a:rPr lang="en-US" dirty="0" smtClean="0"/>
+              <a:rPr lang="en-US" dirty="0"/>
               <a:t>Different senses of the same word should have different representations</a:t>
             </a:r>
           </a:p>
           <a:p>
             <a:r>
-              <a:rPr lang="en-US" dirty="0" smtClean="0"/>
+              <a:rPr lang="en-US" dirty="0"/>
               <a:t>Relations should be preserved</a:t>
             </a:r>
           </a:p>
           <a:p>
             <a:pPr lvl="1"/>
             <a:r>
-              <a:rPr lang="en-US" dirty="0" smtClean="0"/>
+              <a:rPr lang="en-US" dirty="0"/>
               <a:t>For example, “cat”-”kitten” should be similar to “dog”-”puppy”</a:t>
             </a:r>
-            <a:endParaRPr lang="en-US" dirty="0"/>
           </a:p>
         </p:txBody>
       </p:sp>
@@ -5358,13 +5240,6 @@
   <p:clrMapOvr>
     <a:masterClrMapping/>
   </p:clrMapOvr>
-  <p:timing>
-    <p:tnLst>
-      <p:par>
-        <p:cTn id="1" dur="indefinite" restart="never" nodeType="tmRoot"/>
-      </p:par>
-    </p:tnLst>
-  </p:timing>
 </p:sld>
 </file>
 
@@ -5401,10 +5276,9 @@
           <a:lstStyle/>
           <a:p>
             <a:r>
-              <a:rPr lang="en-US" dirty="0" smtClean="0"/>
+              <a:rPr lang="en-US" dirty="0"/>
               <a:t>Context Features</a:t>
             </a:r>
-            <a:endParaRPr lang="en-US" dirty="0"/>
           </a:p>
         </p:txBody>
       </p:sp>
@@ -5436,23 +5310,7 @@
                   <a:schemeClr val="tx1"/>
                 </a:solidFill>
               </a:rPr>
-              <a:t>The context </a:t>
-            </a:r>
-            <a:r>
-              <a:rPr lang="en-US" sz="2400" dirty="0" smtClean="0">
-                <a:solidFill>
-                  <a:schemeClr val="tx1"/>
-                </a:solidFill>
-              </a:rPr>
-              <a:t>features can </a:t>
-            </a:r>
-            <a:r>
-              <a:rPr lang="en-US" sz="2400" dirty="0">
-                <a:solidFill>
-                  <a:schemeClr val="tx1"/>
-                </a:solidFill>
-              </a:rPr>
-              <a:t>be any of the following:</a:t>
+              <a:t>The context features can be any of the following:</a:t>
             </a:r>
           </a:p>
           <a:p>
@@ -5549,13 +5407,6 @@
   <p:clrMapOvr>
     <a:masterClrMapping/>
   </p:clrMapOvr>
-  <p:timing>
-    <p:tnLst>
-      <p:par>
-        <p:cTn id="1" dur="indefinite" restart="never" nodeType="tmRoot"/>
-      </p:par>
-    </p:tnLst>
-  </p:timing>
 </p:sld>
 </file>
 
@@ -5592,10 +5443,9 @@
           <a:lstStyle/>
           <a:p>
             <a:r>
-              <a:rPr lang="en-US" dirty="0" smtClean="0"/>
+              <a:rPr lang="en-US" dirty="0"/>
               <a:t>Example</a:t>
             </a:r>
-            <a:endParaRPr lang="en-US" dirty="0"/>
           </a:p>
         </p:txBody>
       </p:sp>
@@ -5622,20 +5472,12 @@
           <a:lstStyle/>
           <a:p>
             <a:r>
-              <a:rPr lang="en-US" sz="2000" dirty="0" smtClean="0">
+              <a:rPr lang="en-US" sz="2000" dirty="0">
                 <a:solidFill>
                   <a:schemeClr val="tx1"/>
                 </a:solidFill>
               </a:rPr>
-              <a:t>S1: schedule </a:t>
-            </a:r>
-            <a:r>
-              <a:rPr lang="en-US" sz="2000" dirty="0">
-                <a:solidFill>
-                  <a:schemeClr val="tx1"/>
-                </a:solidFill>
-              </a:rPr>
-              <a:t>a test </a:t>
+              <a:t>S1: schedule a test </a:t>
             </a:r>
             <a:r>
               <a:rPr lang="en-US" sz="2000" b="1" i="1" dirty="0">
@@ -5672,7 +5514,7 @@
           </a:p>
           <a:p>
             <a:r>
-              <a:rPr lang="en-US" sz="2000" dirty="0" smtClean="0">
+              <a:rPr lang="en-US" sz="2000" dirty="0">
                 <a:solidFill>
                   <a:schemeClr val="tx1"/>
                 </a:solidFill>
@@ -5680,7 +5522,7 @@
               <a:t>S2: </a:t>
             </a:r>
             <a:r>
-              <a:rPr lang="en-US" sz="2000" b="1" dirty="0" smtClean="0">
+              <a:rPr lang="en-US" sz="2000" b="1" dirty="0">
                 <a:solidFill>
                   <a:schemeClr val="tx1"/>
                 </a:solidFill>
@@ -5688,20 +5530,12 @@
               <a:t>Volkswagen</a:t>
             </a:r>
             <a:r>
-              <a:rPr lang="en-US" sz="2000" dirty="0" smtClean="0">
+              <a:rPr lang="en-US" sz="2000" dirty="0">
                 <a:solidFill>
                   <a:schemeClr val="tx1"/>
                 </a:solidFill>
               </a:rPr>
-              <a:t> </a:t>
-            </a:r>
-            <a:r>
-              <a:rPr lang="en-US" sz="2000" dirty="0">
-                <a:solidFill>
-                  <a:schemeClr val="tx1"/>
-                </a:solidFill>
-              </a:rPr>
-              <a:t>debuted a new version of its front-wheel-</a:t>
+              <a:t> debuted a new version of its front-wheel-</a:t>
             </a:r>
             <a:r>
               <a:rPr lang="en-US" sz="2000" b="1" i="1" dirty="0">
@@ -5722,7 +5556,7 @@
           </a:p>
           <a:p>
             <a:r>
-              <a:rPr lang="en-US" sz="2000" dirty="0" smtClean="0">
+              <a:rPr lang="en-US" sz="2000" dirty="0">
                 <a:solidFill>
                   <a:schemeClr val="tx1"/>
                 </a:solidFill>
@@ -5756,20 +5590,12 @@
           </a:p>
           <a:p>
             <a:r>
-              <a:rPr lang="en-US" sz="2000" dirty="0" smtClean="0">
+              <a:rPr lang="en-US" sz="2000" dirty="0">
                 <a:solidFill>
                   <a:schemeClr val="tx1"/>
                 </a:solidFill>
               </a:rPr>
-              <a:t>S4: Our </a:t>
-            </a:r>
-            <a:r>
-              <a:rPr lang="en-US" sz="2000" dirty="0">
-                <a:solidFill>
-                  <a:schemeClr val="tx1"/>
-                </a:solidFill>
-              </a:rPr>
-              <a:t>test </a:t>
+              <a:t>S4: Our test </a:t>
             </a:r>
             <a:r>
               <a:rPr lang="en-US" sz="2000" b="1" i="1" dirty="0">
@@ -5815,13 +5641,13 @@
           <p:nvPr>
             <p:extLst>
               <p:ext uri="{D42A27DB-BD31-4B8C-83A1-F6EECF244321}">
-                <p14:modId xmlns:p14="http://schemas.microsoft.com/office/powerpoint/2010/main" val="2747389261"/>
+                <p14:modId xmlns:p14="http://schemas.microsoft.com/office/powerpoint/2010/main" val="4246748009"/>
               </p:ext>
             </p:extLst>
           </p:nvPr>
         </p:nvGraphicFramePr>
         <p:xfrm>
-          <a:off x="1419225" y="2949575"/>
+          <a:off x="1117600" y="3683502"/>
           <a:ext cx="6705600" cy="1854200"/>
         </p:xfrm>
         <a:graphic>
@@ -5947,18 +5773,13 @@
                     <a:lstStyle/>
                     <a:p>
                       <a:r>
-                        <a:rPr lang="en-US" b="0" baseline="0" dirty="0" smtClean="0">
+                        <a:rPr lang="en-US" b="0" baseline="0" dirty="0">
                           <a:solidFill>
                             <a:schemeClr val="tx1"/>
                           </a:solidFill>
                         </a:rPr>
                         <a:t>schedule</a:t>
                       </a:r>
-                      <a:endParaRPr lang="en-US" b="0" baseline="0" dirty="0">
-                        <a:solidFill>
-                          <a:schemeClr val="tx1"/>
-                        </a:solidFill>
-                      </a:endParaRPr>
                     </a:p>
                   </a:txBody>
                   <a:tcPr>
@@ -6007,18 +5828,13 @@
                     <a:lstStyle/>
                     <a:p>
                       <a:r>
-                        <a:rPr lang="en-US" b="0" baseline="0" dirty="0" smtClean="0">
+                        <a:rPr lang="en-US" b="0" baseline="0" dirty="0">
                           <a:solidFill>
                             <a:schemeClr val="tx1"/>
                           </a:solidFill>
                         </a:rPr>
                         <a:t>test</a:t>
                       </a:r>
-                      <a:endParaRPr lang="en-US" b="0" baseline="0" dirty="0">
-                        <a:solidFill>
-                          <a:schemeClr val="tx1"/>
-                        </a:solidFill>
-                      </a:endParaRPr>
                     </a:p>
                   </a:txBody>
                   <a:tcPr>
@@ -6067,18 +5883,13 @@
                     <a:lstStyle/>
                     <a:p>
                       <a:r>
-                        <a:rPr lang="en-US" b="0" baseline="0" dirty="0" smtClean="0">
+                        <a:rPr lang="en-US" b="0" baseline="0" dirty="0">
                           <a:solidFill>
                             <a:schemeClr val="tx1"/>
                           </a:solidFill>
                         </a:rPr>
                         <a:t>drive</a:t>
                       </a:r>
-                      <a:endParaRPr lang="en-US" b="0" baseline="0" dirty="0">
-                        <a:solidFill>
-                          <a:schemeClr val="tx1"/>
-                        </a:solidFill>
-                      </a:endParaRPr>
                     </a:p>
                   </a:txBody>
                   <a:tcPr>
@@ -6127,18 +5938,13 @@
                     <a:lstStyle/>
                     <a:p>
                       <a:r>
-                        <a:rPr lang="en-US" b="0" baseline="0" dirty="0" smtClean="0">
+                        <a:rPr lang="en-US" b="0" baseline="0" dirty="0">
                           <a:solidFill>
                             <a:schemeClr val="tx1"/>
                           </a:solidFill>
                         </a:rPr>
                         <a:t>version</a:t>
                       </a:r>
-                      <a:endParaRPr lang="en-US" b="0" baseline="0" dirty="0">
-                        <a:solidFill>
-                          <a:schemeClr val="tx1"/>
-                        </a:solidFill>
-                      </a:endParaRPr>
                     </a:p>
                   </a:txBody>
                   <a:tcPr>
@@ -6187,18 +5993,13 @@
                     <a:lstStyle/>
                     <a:p>
                       <a:r>
-                        <a:rPr lang="en-US" b="0" baseline="0" dirty="0" smtClean="0">
+                        <a:rPr lang="en-US" b="0" baseline="0" dirty="0">
                           <a:solidFill>
                             <a:schemeClr val="tx1"/>
                           </a:solidFill>
                         </a:rPr>
                         <a:t>front</a:t>
                       </a:r>
-                      <a:endParaRPr lang="en-US" b="0" baseline="0" dirty="0">
-                        <a:solidFill>
-                          <a:schemeClr val="tx1"/>
-                        </a:solidFill>
-                      </a:endParaRPr>
                     </a:p>
                   </a:txBody>
                   <a:tcPr>
@@ -6247,18 +6048,13 @@
                     <a:lstStyle/>
                     <a:p>
                       <a:r>
-                        <a:rPr lang="en-US" b="0" baseline="0" dirty="0" smtClean="0">
+                        <a:rPr lang="en-US" b="0" baseline="0" dirty="0">
                           <a:solidFill>
                             <a:schemeClr val="tx1"/>
                           </a:solidFill>
                         </a:rPr>
                         <a:t>recent</a:t>
                       </a:r>
-                      <a:endParaRPr lang="en-US" b="0" baseline="0" dirty="0">
-                        <a:solidFill>
-                          <a:schemeClr val="tx1"/>
-                        </a:solidFill>
-                      </a:endParaRPr>
                     </a:p>
                   </a:txBody>
                   <a:tcPr>
@@ -6307,18 +6103,13 @@
                     <a:lstStyle/>
                     <a:p>
                       <a:r>
-                        <a:rPr lang="en-US" b="0" baseline="0" dirty="0" smtClean="0">
+                        <a:rPr lang="en-US" b="0" baseline="0" dirty="0">
                           <a:solidFill>
                             <a:schemeClr val="tx1"/>
                           </a:solidFill>
                         </a:rPr>
                         <a:t>model</a:t>
                       </a:r>
-                      <a:endParaRPr lang="en-US" b="0" baseline="0" dirty="0">
-                        <a:solidFill>
-                          <a:schemeClr val="tx1"/>
-                        </a:solidFill>
-                      </a:endParaRPr>
                     </a:p>
                   </a:txBody>
                   <a:tcPr>
@@ -6374,18 +6165,13 @@
                     <a:lstStyle/>
                     <a:p>
                       <a:r>
-                        <a:rPr lang="en-US" b="0" baseline="0" dirty="0" smtClean="0">
+                        <a:rPr lang="en-US" b="0" baseline="0" dirty="0">
                           <a:solidFill>
                             <a:schemeClr val="tx1"/>
                           </a:solidFill>
                         </a:rPr>
                         <a:t>Honda</a:t>
                       </a:r>
-                      <a:endParaRPr lang="en-US" b="0" baseline="0" dirty="0">
-                        <a:solidFill>
-                          <a:schemeClr val="tx1"/>
-                        </a:solidFill>
-                      </a:endParaRPr>
                     </a:p>
                   </a:txBody>
                   <a:tcPr>
@@ -6434,18 +6220,13 @@
                     <a:lstStyle/>
                     <a:p>
                       <a:r>
-                        <a:rPr lang="en-US" b="0" baseline="0" dirty="0" smtClean="0">
+                        <a:rPr lang="en-US" b="0" baseline="0" dirty="0">
                           <a:solidFill>
                             <a:schemeClr val="tx1"/>
                           </a:solidFill>
                         </a:rPr>
                         <a:t>1</a:t>
                       </a:r>
-                      <a:endParaRPr lang="en-US" b="0" baseline="0" dirty="0">
-                        <a:solidFill>
-                          <a:schemeClr val="tx1"/>
-                        </a:solidFill>
-                      </a:endParaRPr>
                     </a:p>
                   </a:txBody>
                   <a:tcPr>
@@ -6494,18 +6275,13 @@
                     <a:lstStyle/>
                     <a:p>
                       <a:r>
-                        <a:rPr lang="en-US" b="0" baseline="0" dirty="0" smtClean="0">
+                        <a:rPr lang="en-US" b="0" baseline="0" dirty="0">
                           <a:solidFill>
                             <a:schemeClr val="tx1"/>
                           </a:solidFill>
                         </a:rPr>
                         <a:t>1</a:t>
                       </a:r>
-                      <a:endParaRPr lang="en-US" b="0" baseline="0" dirty="0">
-                        <a:solidFill>
-                          <a:schemeClr val="tx1"/>
-                        </a:solidFill>
-                      </a:endParaRPr>
                     </a:p>
                   </a:txBody>
                   <a:tcPr>
@@ -6554,18 +6330,13 @@
                     <a:lstStyle/>
                     <a:p>
                       <a:r>
-                        <a:rPr lang="en-US" b="1" baseline="0" dirty="0" smtClean="0">
+                        <a:rPr lang="en-US" b="1" baseline="0" dirty="0">
                           <a:solidFill>
                             <a:schemeClr val="tx1"/>
                           </a:solidFill>
                         </a:rPr>
                         <a:t>1</a:t>
                       </a:r>
-                      <a:endParaRPr lang="en-US" b="1" baseline="0" dirty="0">
-                        <a:solidFill>
-                          <a:schemeClr val="tx1"/>
-                        </a:solidFill>
-                      </a:endParaRPr>
                     </a:p>
                   </a:txBody>
                   <a:tcPr>
@@ -6829,7 +6600,7 @@
                     <a:lstStyle/>
                     <a:p>
                       <a:r>
-                        <a:rPr lang="en-US" b="0" baseline="0" dirty="0" err="1" smtClean="0">
+                        <a:rPr lang="en-US" b="0" baseline="0" dirty="0" err="1">
                           <a:solidFill>
                             <a:schemeClr val="tx1"/>
                           </a:solidFill>
@@ -6993,18 +6764,13 @@
                     <a:lstStyle/>
                     <a:p>
                       <a:r>
-                        <a:rPr lang="en-US" b="1" baseline="0" dirty="0" smtClean="0">
+                        <a:rPr lang="en-US" b="1" baseline="0" dirty="0">
                           <a:solidFill>
                             <a:schemeClr val="tx1"/>
                           </a:solidFill>
                         </a:rPr>
                         <a:t>1</a:t>
                       </a:r>
-                      <a:endParaRPr lang="en-US" b="1" baseline="0" dirty="0">
-                        <a:solidFill>
-                          <a:schemeClr val="tx1"/>
-                        </a:solidFill>
-                      </a:endParaRPr>
                     </a:p>
                   </a:txBody>
                   <a:tcPr>
@@ -7053,18 +6819,13 @@
                     <a:lstStyle/>
                     <a:p>
                       <a:r>
-                        <a:rPr lang="en-US" b="0" baseline="0" dirty="0" smtClean="0">
+                        <a:rPr lang="en-US" b="0" baseline="0" dirty="0">
                           <a:solidFill>
                             <a:schemeClr val="tx1"/>
                           </a:solidFill>
                         </a:rPr>
                         <a:t>1</a:t>
                       </a:r>
-                      <a:endParaRPr lang="en-US" b="0" baseline="0" dirty="0">
-                        <a:solidFill>
-                          <a:schemeClr val="tx1"/>
-                        </a:solidFill>
-                      </a:endParaRPr>
                     </a:p>
                   </a:txBody>
                   <a:tcPr>
@@ -7113,18 +6874,13 @@
                     <a:lstStyle/>
                     <a:p>
                       <a:r>
-                        <a:rPr lang="en-US" b="0" baseline="0" dirty="0" smtClean="0">
+                        <a:rPr lang="en-US" b="0" baseline="0" dirty="0">
                           <a:solidFill>
                             <a:schemeClr val="tx1"/>
                           </a:solidFill>
                         </a:rPr>
                         <a:t>1</a:t>
                       </a:r>
-                      <a:endParaRPr lang="en-US" b="0" baseline="0" dirty="0">
-                        <a:solidFill>
-                          <a:schemeClr val="tx1"/>
-                        </a:solidFill>
-                      </a:endParaRPr>
                     </a:p>
                   </a:txBody>
                   <a:tcPr>
@@ -7284,18 +7040,13 @@
                     <a:lstStyle/>
                     <a:p>
                       <a:r>
-                        <a:rPr lang="en-US" b="0" baseline="0" dirty="0" smtClean="0">
+                        <a:rPr lang="en-US" b="0" baseline="0" dirty="0">
                           <a:solidFill>
                             <a:schemeClr val="tx1"/>
                           </a:solidFill>
                         </a:rPr>
                         <a:t>Jeep</a:t>
                       </a:r>
-                      <a:endParaRPr lang="en-US" b="0" baseline="0" dirty="0">
-                        <a:solidFill>
-                          <a:schemeClr val="tx1"/>
-                        </a:solidFill>
-                      </a:endParaRPr>
                     </a:p>
                   </a:txBody>
                   <a:tcPr>
@@ -7448,18 +7199,13 @@
                     <a:lstStyle/>
                     <a:p>
                       <a:r>
-                        <a:rPr lang="en-US" b="1" baseline="0" dirty="0" smtClean="0">
+                        <a:rPr lang="en-US" b="1" baseline="0" dirty="0">
                           <a:solidFill>
                             <a:schemeClr val="tx1"/>
                           </a:solidFill>
                         </a:rPr>
                         <a:t>1</a:t>
                       </a:r>
-                      <a:endParaRPr lang="en-US" b="1" baseline="0" dirty="0">
-                        <a:solidFill>
-                          <a:schemeClr val="tx1"/>
-                        </a:solidFill>
-                      </a:endParaRPr>
                     </a:p>
                   </a:txBody>
                   <a:tcPr>
@@ -7612,18 +7358,13 @@
                     <a:lstStyle/>
                     <a:p>
                       <a:r>
-                        <a:rPr lang="en-US" b="0" baseline="0" dirty="0" smtClean="0">
+                        <a:rPr lang="en-US" b="0" baseline="0" dirty="0">
                           <a:solidFill>
                             <a:schemeClr val="tx1"/>
                           </a:solidFill>
                         </a:rPr>
                         <a:t>1</a:t>
                       </a:r>
-                      <a:endParaRPr lang="en-US" b="0" baseline="0" dirty="0">
-                        <a:solidFill>
-                          <a:schemeClr val="tx1"/>
-                        </a:solidFill>
-                      </a:endParaRPr>
                     </a:p>
                   </a:txBody>
                   <a:tcPr>
@@ -7731,18 +7472,13 @@
                     <a:lstStyle/>
                     <a:p>
                       <a:r>
-                        <a:rPr lang="en-US" b="0" baseline="0" dirty="0" smtClean="0">
+                        <a:rPr lang="en-US" b="0" baseline="0" dirty="0">
                           <a:solidFill>
                             <a:schemeClr val="tx1"/>
                           </a:solidFill>
                         </a:rPr>
                         <a:t>Ford</a:t>
                       </a:r>
-                      <a:endParaRPr lang="en-US" b="0" baseline="0" dirty="0">
-                        <a:solidFill>
-                          <a:schemeClr val="tx1"/>
-                        </a:solidFill>
-                      </a:endParaRPr>
                     </a:p>
                   </a:txBody>
                   <a:tcPr>
@@ -7843,18 +7579,13 @@
                     <a:lstStyle/>
                     <a:p>
                       <a:r>
-                        <a:rPr lang="en-US" b="0" baseline="0" dirty="0" smtClean="0">
+                        <a:rPr lang="en-US" b="0" baseline="0" dirty="0">
                           <a:solidFill>
                             <a:schemeClr val="tx1"/>
                           </a:solidFill>
                         </a:rPr>
                         <a:t>1</a:t>
                       </a:r>
-                      <a:endParaRPr lang="en-US" b="0" baseline="0" dirty="0">
-                        <a:solidFill>
-                          <a:schemeClr val="tx1"/>
-                        </a:solidFill>
-                      </a:endParaRPr>
                     </a:p>
                   </a:txBody>
                   <a:tcPr>
@@ -7903,18 +7634,13 @@
                     <a:lstStyle/>
                     <a:p>
                       <a:r>
-                        <a:rPr lang="en-US" b="1" baseline="0" dirty="0" smtClean="0">
+                        <a:rPr lang="en-US" b="1" baseline="0" dirty="0">
                           <a:solidFill>
                             <a:schemeClr val="tx1"/>
                           </a:solidFill>
                         </a:rPr>
                         <a:t>1</a:t>
                       </a:r>
-                      <a:endParaRPr lang="en-US" b="1" baseline="0" dirty="0">
-                        <a:solidFill>
-                          <a:schemeClr val="tx1"/>
-                        </a:solidFill>
-                      </a:endParaRPr>
                     </a:p>
                   </a:txBody>
                   <a:tcPr>
@@ -8119,18 +7845,13 @@
                     <a:lstStyle/>
                     <a:p>
                       <a:r>
-                        <a:rPr lang="en-US" b="0" baseline="0" dirty="0" smtClean="0">
+                        <a:rPr lang="en-US" b="0" baseline="0" dirty="0">
                           <a:solidFill>
                             <a:schemeClr val="tx1"/>
                           </a:solidFill>
                         </a:rPr>
                         <a:t>1</a:t>
                       </a:r>
-                      <a:endParaRPr lang="en-US" b="0" baseline="0" dirty="0">
-                        <a:solidFill>
-                          <a:schemeClr val="tx1"/>
-                        </a:solidFill>
-                      </a:endParaRPr>
                     </a:p>
                   </a:txBody>
                   <a:tcPr>
@@ -8193,13 +7914,6 @@
   <p:clrMapOvr>
     <a:masterClrMapping/>
   </p:clrMapOvr>
-  <p:timing>
-    <p:tnLst>
-      <p:par>
-        <p:cTn id="1" dur="indefinite" restart="never" nodeType="tmRoot"/>
-      </p:par>
-    </p:tnLst>
-  </p:timing>
 </p:sld>
 </file>
 
@@ -8236,10 +7950,9 @@
           <a:lstStyle/>
           <a:p>
             <a:r>
-              <a:rPr lang="en-US" dirty="0" smtClean="0"/>
+              <a:rPr lang="en-US" dirty="0"/>
               <a:t>Association Strength</a:t>
             </a:r>
-            <a:endParaRPr lang="en-US" dirty="0"/>
           </a:p>
         </p:txBody>
       </p:sp>
@@ -8271,7 +7984,7 @@
               </a:lnSpc>
             </a:pPr>
             <a:r>
-              <a:rPr lang="en-US" sz="3200" dirty="0" smtClean="0">
+              <a:rPr lang="en-US" sz="3200" dirty="0">
                 <a:solidFill>
                   <a:schemeClr val="tx1"/>
                 </a:solidFill>
@@ -8286,7 +7999,7 @@
               </a:lnSpc>
             </a:pPr>
             <a:r>
-              <a:rPr lang="en-US" sz="2400" dirty="0" smtClean="0">
+              <a:rPr lang="en-US" sz="2400" dirty="0">
                 <a:solidFill>
                   <a:schemeClr val="tx1"/>
                 </a:solidFill>
@@ -8301,7 +8014,7 @@
               </a:lnSpc>
             </a:pPr>
             <a:r>
-              <a:rPr lang="en-US" sz="2400" dirty="0" smtClean="0">
+              <a:rPr lang="en-US" sz="2400" dirty="0">
                 <a:solidFill>
                   <a:schemeClr val="tx1"/>
                 </a:solidFill>
@@ -8316,7 +8029,7 @@
               </a:lnSpc>
             </a:pPr>
             <a:r>
-              <a:rPr lang="en-US" sz="3200" dirty="0" smtClean="0">
+              <a:rPr lang="en-US" sz="3200" dirty="0">
                 <a:solidFill>
                   <a:schemeClr val="tx1"/>
                 </a:solidFill>
@@ -8331,7 +8044,7 @@
               </a:lnSpc>
             </a:pPr>
             <a:r>
-              <a:rPr lang="en-US" sz="2400" dirty="0" smtClean="0">
+              <a:rPr lang="en-US" sz="2400" dirty="0">
                 <a:solidFill>
                   <a:schemeClr val="tx1"/>
                 </a:solidFill>
@@ -8339,7 +8052,7 @@
               <a:t>Here </a:t>
             </a:r>
             <a:r>
-              <a:rPr lang="en-US" sz="2400" i="1" dirty="0" smtClean="0">
+              <a:rPr lang="en-US" sz="2400" i="1" dirty="0">
                 <a:solidFill>
                   <a:schemeClr val="tx1"/>
                 </a:solidFill>
@@ -8347,7 +8060,7 @@
               <a:t>w</a:t>
             </a:r>
             <a:r>
-              <a:rPr lang="en-US" sz="2400" dirty="0" smtClean="0">
+              <a:rPr lang="en-US" sz="2400" dirty="0">
                 <a:solidFill>
                   <a:schemeClr val="tx1"/>
                 </a:solidFill>
@@ -8355,7 +8068,7 @@
               <a:t> is a word and </a:t>
             </a:r>
             <a:r>
-              <a:rPr lang="en-US" sz="2400" i="1" dirty="0" smtClean="0">
+              <a:rPr lang="en-US" sz="2400" i="1" dirty="0">
                 <a:solidFill>
                   <a:schemeClr val="tx1"/>
                 </a:solidFill>
@@ -8363,18 +8076,13 @@
               <a:t>c</a:t>
             </a:r>
             <a:r>
-              <a:rPr lang="en-US" sz="2400" dirty="0" smtClean="0">
+              <a:rPr lang="en-US" sz="2400" dirty="0">
                 <a:solidFill>
                   <a:schemeClr val="tx1"/>
                 </a:solidFill>
               </a:rPr>
               <a:t> is a feature from the context</a:t>
             </a:r>
-            <a:endParaRPr lang="en-US" sz="2400" dirty="0">
-              <a:solidFill>
-                <a:schemeClr val="tx1"/>
-              </a:solidFill>
-            </a:endParaRPr>
           </a:p>
         </p:txBody>
       </p:sp>
@@ -8747,10 +8455,9 @@
           <a:lstStyle/>
           <a:p>
             <a:r>
-              <a:rPr lang="en-US" dirty="0" smtClean="0"/>
+              <a:rPr lang="en-US" dirty="0"/>
               <a:t>Association Strength</a:t>
             </a:r>
-            <a:endParaRPr lang="en-US" dirty="0"/>
           </a:p>
         </p:txBody>
       </p:sp>
@@ -8782,7 +8489,7 @@
               </a:lnSpc>
             </a:pPr>
             <a:r>
-              <a:rPr lang="en-US" sz="3200" dirty="0" smtClean="0">
+              <a:rPr lang="en-US" sz="3200" dirty="0">
                 <a:solidFill>
                   <a:schemeClr val="tx1"/>
                 </a:solidFill>
@@ -8797,7 +8504,7 @@
               </a:lnSpc>
             </a:pPr>
             <a:r>
-              <a:rPr lang="en-US" sz="2400" dirty="0" smtClean="0">
+              <a:rPr lang="en-US" sz="2400" dirty="0">
                 <a:solidFill>
                   <a:schemeClr val="tx1"/>
                 </a:solidFill>
@@ -8805,7 +8512,7 @@
               <a:t>If PMI(</a:t>
             </a:r>
             <a:r>
-              <a:rPr lang="en-US" sz="2400" dirty="0" err="1" smtClean="0">
+              <a:rPr lang="en-US" sz="2400" dirty="0" err="1">
                 <a:solidFill>
                   <a:schemeClr val="tx1"/>
                 </a:solidFill>
@@ -8813,7 +8520,7 @@
               <a:t>w,c</a:t>
             </a:r>
             <a:r>
-              <a:rPr lang="en-US" sz="2400" dirty="0" smtClean="0">
+              <a:rPr lang="en-US" sz="2400" dirty="0">
                 <a:solidFill>
                   <a:schemeClr val="tx1"/>
                 </a:solidFill>
@@ -8828,12 +8535,12 @@
               </a:lnSpc>
             </a:pPr>
             <a:r>
-              <a:rPr lang="en-US" sz="2400" dirty="0" smtClean="0">
+              <a:rPr lang="en-US" sz="2400" dirty="0">
                 <a:solidFill>
                   <a:schemeClr val="tx1"/>
                 </a:solidFill>
               </a:rPr>
-              <a:t>In PPMI, negative values are replaced by zeros</a:t>
+              <a:t>In PMI, negative values are replaced by zeros</a:t>
             </a:r>
           </a:p>
           <a:p>
@@ -8843,7 +8550,7 @@
               </a:lnSpc>
             </a:pPr>
             <a:r>
-              <a:rPr lang="en-US" sz="3200" dirty="0" smtClean="0">
+              <a:rPr lang="en-US" sz="3200" dirty="0">
                 <a:solidFill>
                   <a:schemeClr val="tx1"/>
                 </a:solidFill>
@@ -8858,7 +8565,7 @@
               </a:lnSpc>
             </a:pPr>
             <a:r>
-              <a:rPr lang="en-US" sz="3200" dirty="0" smtClean="0">
+              <a:rPr lang="en-US" sz="3200" dirty="0">
                 <a:solidFill>
                   <a:schemeClr val="tx1"/>
                 </a:solidFill>
@@ -8873,7 +8580,7 @@
               </a:lnSpc>
             </a:pPr>
             <a:r>
-              <a:rPr lang="en-US" sz="2700" dirty="0" smtClean="0">
+              <a:rPr lang="en-US" sz="2700" dirty="0">
                 <a:solidFill>
                   <a:schemeClr val="tx1"/>
                 </a:solidFill>
@@ -8881,7 +8588,7 @@
               <a:t>Use </a:t>
             </a:r>
             <a:r>
-              <a:rPr lang="en-US" sz="2700" dirty="0" err="1" smtClean="0">
+              <a:rPr lang="en-US" sz="2700" dirty="0" err="1">
                 <a:solidFill>
                   <a:schemeClr val="tx1"/>
                 </a:solidFill>
@@ -8889,7 +8596,7 @@
               <a:t>Kullback-Leibler</a:t>
             </a:r>
             <a:r>
-              <a:rPr lang="en-US" sz="2700" dirty="0" smtClean="0">
+              <a:rPr lang="en-US" sz="2700" dirty="0">
                 <a:solidFill>
                   <a:schemeClr val="tx1"/>
                 </a:solidFill>
@@ -8904,18 +8611,13 @@
               </a:lnSpc>
             </a:pPr>
             <a:r>
-              <a:rPr lang="en-US" sz="2700" dirty="0" smtClean="0">
+              <a:rPr lang="en-US" sz="2700" dirty="0">
                 <a:solidFill>
                   <a:schemeClr val="tx1"/>
                 </a:solidFill>
               </a:rPr>
               <a:t>Or Jensen-Shannon Divergence</a:t>
             </a:r>
-            <a:endParaRPr lang="en-US" sz="2700" dirty="0">
-              <a:solidFill>
-                <a:schemeClr val="tx1"/>
-              </a:solidFill>
-            </a:endParaRPr>
           </a:p>
         </p:txBody>
       </p:sp>
@@ -8929,13 +8631,6 @@
   <p:clrMapOvr>
     <a:masterClrMapping/>
   </p:clrMapOvr>
-  <p:timing>
-    <p:tnLst>
-      <p:par>
-        <p:cTn id="1" dur="indefinite" restart="never" nodeType="tmRoot"/>
-      </p:par>
-    </p:tnLst>
-  </p:timing>
 </p:sld>
 </file>
 
